--- a/material/aulas/12-paralelismo/slides.pptx
+++ b/material/aulas/12-paralelismo/slides.pptx
@@ -7603,6 +7603,36 @@
           </a:prstGeom>
         </p:spPr>
       </p:pic>
+      <p:pic>
+        <p:nvPicPr>
+          <p:cNvPr id="2" name="Picture 1">
+            <a:extLst>
+              <a:ext uri="{FF2B5EF4-FFF2-40B4-BE49-F238E27FC236}">
+                <a16:creationId xmlns:a16="http://schemas.microsoft.com/office/drawing/2014/main" id="{B443CB91-C5A5-41B8-E929-0160A8708A0E}"/>
+              </a:ext>
+            </a:extLst>
+          </p:cNvPr>
+          <p:cNvPicPr>
+            <a:picLocks noChangeAspect="1"/>
+          </p:cNvPicPr>
+          <p:nvPr/>
+        </p:nvPicPr>
+        <p:blipFill>
+          <a:blip r:embed="rId5"/>
+          <a:stretch>
+            <a:fillRect/>
+          </a:stretch>
+        </p:blipFill>
+        <p:spPr>
+          <a:xfrm>
+            <a:off x="6034690" y="2534263"/>
+            <a:ext cx="101600" cy="165100"/>
+          </a:xfrm>
+          <a:prstGeom prst="rect">
+            <a:avLst/>
+          </a:prstGeom>
+        </p:spPr>
+      </p:pic>
     </p:spTree>
     <p:extLst>
       <p:ext uri="{BB962C8B-B14F-4D97-AF65-F5344CB8AC3E}">
@@ -11316,6 +11346,13 @@
           <a:prstGeom prst="rect">
             <a:avLst/>
           </a:prstGeom>
+          <a:ln>
+            <a:solidFill>
+              <a:schemeClr val="tx1">
+                <a:lumMod val="50000"/>
+              </a:schemeClr>
+            </a:solidFill>
+          </a:ln>
         </p:spPr>
       </p:pic>
     </p:spTree>
@@ -11563,6 +11600,81 @@
   <p:clrMapOvr>
     <a:masterClrMapping/>
   </p:clrMapOvr>
+  <p:timing>
+    <p:tnLst>
+      <p:par>
+        <p:cTn id="1" dur="indefinite" restart="never" nodeType="tmRoot">
+          <p:childTnLst>
+            <p:seq concurrent="1" nextAc="seek">
+              <p:cTn id="2" dur="indefinite" nodeType="mainSeq">
+                <p:childTnLst>
+                  <p:par>
+                    <p:cTn id="3" fill="hold">
+                      <p:stCondLst>
+                        <p:cond delay="indefinite"/>
+                      </p:stCondLst>
+                      <p:childTnLst>
+                        <p:par>
+                          <p:cTn id="4" fill="hold">
+                            <p:stCondLst>
+                              <p:cond delay="0"/>
+                            </p:stCondLst>
+                            <p:childTnLst>
+                              <p:par>
+                                <p:cTn id="5" presetID="1" presetClass="entr" presetSubtype="0" fill="hold" nodeType="clickEffect">
+                                  <p:stCondLst>
+                                    <p:cond delay="0"/>
+                                  </p:stCondLst>
+                                  <p:childTnLst>
+                                    <p:set>
+                                      <p:cBhvr>
+                                        <p:cTn id="6" dur="1" fill="hold">
+                                          <p:stCondLst>
+                                            <p:cond delay="0"/>
+                                          </p:stCondLst>
+                                        </p:cTn>
+                                        <p:tgtEl>
+                                          <p:spTgt spid="6"/>
+                                        </p:tgtEl>
+                                        <p:attrNameLst>
+                                          <p:attrName>style.visibility</p:attrName>
+                                        </p:attrNameLst>
+                                      </p:cBhvr>
+                                      <p:to>
+                                        <p:strVal val="visible"/>
+                                      </p:to>
+                                    </p:set>
+                                  </p:childTnLst>
+                                </p:cTn>
+                              </p:par>
+                            </p:childTnLst>
+                          </p:cTn>
+                        </p:par>
+                      </p:childTnLst>
+                    </p:cTn>
+                  </p:par>
+                </p:childTnLst>
+              </p:cTn>
+              <p:prevCondLst>
+                <p:cond evt="onPrev" delay="0">
+                  <p:tgtEl>
+                    <p:sldTgt/>
+                  </p:tgtEl>
+                </p:cond>
+              </p:prevCondLst>
+              <p:nextCondLst>
+                <p:cond evt="onNext" delay="0">
+                  <p:tgtEl>
+                    <p:sldTgt/>
+                  </p:tgtEl>
+                </p:cond>
+              </p:nextCondLst>
+            </p:seq>
+          </p:childTnLst>
+        </p:cTn>
+      </p:par>
+    </p:tnLst>
+  </p:timing>
 </p:sld>
 </file>
 
